--- a/ppt 16-9/0861.当尽我本份.pptx
+++ b/ppt 16-9/0861.当尽我本份.pptx
@@ -5,7 +5,7 @@
     <p:sldMasterId id="2147483648" r:id="rId1"/>
   </p:sldMasterIdLst>
   <p:sldIdLst>
-    <p:sldId id="2167" r:id="rId2"/>
+    <p:sldId id="2169" r:id="rId2"/>
   </p:sldIdLst>
   <p:sldSz cx="12192000" cy="6858000"/>
   <p:notesSz cx="6858000" cy="9144000"/>
@@ -129,7 +129,7 @@
           <p:cNvPr id="2" name="标题 1">
             <a:extLst>
               <a:ext uri="{FF2B5EF4-FFF2-40B4-BE49-F238E27FC236}">
-                <a16:creationId xmlns:a16="http://schemas.microsoft.com/office/drawing/2014/main" id="{BAC5DA8D-1094-EFE1-667A-4B0EE39F6793}"/>
+                <a16:creationId xmlns:a16="http://schemas.microsoft.com/office/drawing/2014/main" id="{8C7EEC25-A0EC-4F5C-FFCD-E9FDBA0B94F5}"/>
               </a:ext>
             </a:extLst>
           </p:cNvPr>
@@ -166,7 +166,7 @@
           <p:cNvPr id="3" name="副标题 2">
             <a:extLst>
               <a:ext uri="{FF2B5EF4-FFF2-40B4-BE49-F238E27FC236}">
-                <a16:creationId xmlns:a16="http://schemas.microsoft.com/office/drawing/2014/main" id="{8F5181DF-1D50-99AD-DD2F-4AC83DAA2D2A}"/>
+                <a16:creationId xmlns:a16="http://schemas.microsoft.com/office/drawing/2014/main" id="{EC01062A-B8F3-693A-3438-4223B25B717A}"/>
               </a:ext>
             </a:extLst>
           </p:cNvPr>
@@ -236,7 +236,7 @@
           <p:cNvPr id="4" name="日期占位符 3">
             <a:extLst>
               <a:ext uri="{FF2B5EF4-FFF2-40B4-BE49-F238E27FC236}">
-                <a16:creationId xmlns:a16="http://schemas.microsoft.com/office/drawing/2014/main" id="{BDB7D67B-0E9E-5B6A-E37E-A62998A70D63}"/>
+                <a16:creationId xmlns:a16="http://schemas.microsoft.com/office/drawing/2014/main" id="{99D336E3-4C50-CCB9-6101-74FCBB0DFAF3}"/>
               </a:ext>
             </a:extLst>
           </p:cNvPr>
@@ -252,7 +252,7 @@
           <a:bodyPr/>
           <a:lstStyle/>
           <a:p>
-            <a:fld id="{6B243526-913B-438E-8D97-6D5C34D656F6}" type="datetimeFigureOut">
+            <a:fld id="{9CACC6E7-7832-4A54-960C-1143FEC9E15B}" type="datetimeFigureOut">
               <a:rPr lang="zh-CN" altLang="en-US" smtClean="0"/>
               <a:t>2024/3/10</a:t>
             </a:fld>
@@ -265,7 +265,7 @@
           <p:cNvPr id="5" name="页脚占位符 4">
             <a:extLst>
               <a:ext uri="{FF2B5EF4-FFF2-40B4-BE49-F238E27FC236}">
-                <a16:creationId xmlns:a16="http://schemas.microsoft.com/office/drawing/2014/main" id="{258B8F8F-E656-93D2-F666-E5F9395CED58}"/>
+                <a16:creationId xmlns:a16="http://schemas.microsoft.com/office/drawing/2014/main" id="{271E0435-CF7E-9A7D-9606-8CDE66C55277}"/>
               </a:ext>
             </a:extLst>
           </p:cNvPr>
@@ -290,7 +290,7 @@
           <p:cNvPr id="6" name="灯片编号占位符 5">
             <a:extLst>
               <a:ext uri="{FF2B5EF4-FFF2-40B4-BE49-F238E27FC236}">
-                <a16:creationId xmlns:a16="http://schemas.microsoft.com/office/drawing/2014/main" id="{E5D91B91-1E9A-F513-8E63-05D02C177840}"/>
+                <a16:creationId xmlns:a16="http://schemas.microsoft.com/office/drawing/2014/main" id="{65F26C64-2C57-BA02-914D-47B0CE9D1E23}"/>
               </a:ext>
             </a:extLst>
           </p:cNvPr>
@@ -306,7 +306,7 @@
           <a:bodyPr/>
           <a:lstStyle/>
           <a:p>
-            <a:fld id="{63DAC3B0-7FE5-4264-BC29-F824E1DC8F3A}" type="slidenum">
+            <a:fld id="{26F342FB-FDB5-4CC2-B2EF-B929FD4E3A2D}" type="slidenum">
               <a:rPr lang="zh-CN" altLang="en-US" smtClean="0"/>
               <a:t>‹#›</a:t>
             </a:fld>
@@ -317,7 +317,7 @@
     </p:spTree>
     <p:extLst>
       <p:ext uri="{BB962C8B-B14F-4D97-AF65-F5344CB8AC3E}">
-        <p14:creationId xmlns:p14="http://schemas.microsoft.com/office/powerpoint/2010/main" val="829065956"/>
+        <p14:creationId xmlns:p14="http://schemas.microsoft.com/office/powerpoint/2010/main" val="1994667083"/>
       </p:ext>
     </p:extLst>
   </p:cSld>
@@ -349,7 +349,7 @@
           <p:cNvPr id="2" name="标题 1">
             <a:extLst>
               <a:ext uri="{FF2B5EF4-FFF2-40B4-BE49-F238E27FC236}">
-                <a16:creationId xmlns:a16="http://schemas.microsoft.com/office/drawing/2014/main" id="{61945963-FE5C-FE3F-6CB9-32834DEE75B5}"/>
+                <a16:creationId xmlns:a16="http://schemas.microsoft.com/office/drawing/2014/main" id="{4AF9FE9A-5B0D-4518-488A-E0033597450B}"/>
               </a:ext>
             </a:extLst>
           </p:cNvPr>
@@ -377,7 +377,7 @@
           <p:cNvPr id="3" name="竖排文字占位符 2">
             <a:extLst>
               <a:ext uri="{FF2B5EF4-FFF2-40B4-BE49-F238E27FC236}">
-                <a16:creationId xmlns:a16="http://schemas.microsoft.com/office/drawing/2014/main" id="{1DF8B21C-F64F-F06B-0D19-E9C6BC793BBA}"/>
+                <a16:creationId xmlns:a16="http://schemas.microsoft.com/office/drawing/2014/main" id="{5F6C6C90-2CAA-55AC-0533-478C3D4D2608}"/>
               </a:ext>
             </a:extLst>
           </p:cNvPr>
@@ -434,7 +434,7 @@
           <p:cNvPr id="4" name="日期占位符 3">
             <a:extLst>
               <a:ext uri="{FF2B5EF4-FFF2-40B4-BE49-F238E27FC236}">
-                <a16:creationId xmlns:a16="http://schemas.microsoft.com/office/drawing/2014/main" id="{E25609C0-372D-DE64-19E3-182AAF900DB5}"/>
+                <a16:creationId xmlns:a16="http://schemas.microsoft.com/office/drawing/2014/main" id="{DCA5839E-02EB-5C49-0424-54F57A442EDB}"/>
               </a:ext>
             </a:extLst>
           </p:cNvPr>
@@ -450,7 +450,7 @@
           <a:bodyPr/>
           <a:lstStyle/>
           <a:p>
-            <a:fld id="{6B243526-913B-438E-8D97-6D5C34D656F6}" type="datetimeFigureOut">
+            <a:fld id="{9CACC6E7-7832-4A54-960C-1143FEC9E15B}" type="datetimeFigureOut">
               <a:rPr lang="zh-CN" altLang="en-US" smtClean="0"/>
               <a:t>2024/3/10</a:t>
             </a:fld>
@@ -463,7 +463,7 @@
           <p:cNvPr id="5" name="页脚占位符 4">
             <a:extLst>
               <a:ext uri="{FF2B5EF4-FFF2-40B4-BE49-F238E27FC236}">
-                <a16:creationId xmlns:a16="http://schemas.microsoft.com/office/drawing/2014/main" id="{3FF865AB-1CFF-5E03-5E05-0F2DEF19AC3B}"/>
+                <a16:creationId xmlns:a16="http://schemas.microsoft.com/office/drawing/2014/main" id="{D4022BC1-32FE-F954-23CE-2CC91C89686C}"/>
               </a:ext>
             </a:extLst>
           </p:cNvPr>
@@ -488,7 +488,7 @@
           <p:cNvPr id="6" name="灯片编号占位符 5">
             <a:extLst>
               <a:ext uri="{FF2B5EF4-FFF2-40B4-BE49-F238E27FC236}">
-                <a16:creationId xmlns:a16="http://schemas.microsoft.com/office/drawing/2014/main" id="{678A2B66-A835-4304-1383-9E8BC3943402}"/>
+                <a16:creationId xmlns:a16="http://schemas.microsoft.com/office/drawing/2014/main" id="{63B0CDF7-08D7-18A5-8E66-DCD09C2CE524}"/>
               </a:ext>
             </a:extLst>
           </p:cNvPr>
@@ -504,7 +504,7 @@
           <a:bodyPr/>
           <a:lstStyle/>
           <a:p>
-            <a:fld id="{63DAC3B0-7FE5-4264-BC29-F824E1DC8F3A}" type="slidenum">
+            <a:fld id="{26F342FB-FDB5-4CC2-B2EF-B929FD4E3A2D}" type="slidenum">
               <a:rPr lang="zh-CN" altLang="en-US" smtClean="0"/>
               <a:t>‹#›</a:t>
             </a:fld>
@@ -515,7 +515,7 @@
     </p:spTree>
     <p:extLst>
       <p:ext uri="{BB962C8B-B14F-4D97-AF65-F5344CB8AC3E}">
-        <p14:creationId xmlns:p14="http://schemas.microsoft.com/office/powerpoint/2010/main" val="2120492141"/>
+        <p14:creationId xmlns:p14="http://schemas.microsoft.com/office/powerpoint/2010/main" val="2269022234"/>
       </p:ext>
     </p:extLst>
   </p:cSld>
@@ -547,7 +547,7 @@
           <p:cNvPr id="2" name="竖排标题 1">
             <a:extLst>
               <a:ext uri="{FF2B5EF4-FFF2-40B4-BE49-F238E27FC236}">
-                <a16:creationId xmlns:a16="http://schemas.microsoft.com/office/drawing/2014/main" id="{A8E711E6-B9EC-F253-0B93-6ABCFCBE3E23}"/>
+                <a16:creationId xmlns:a16="http://schemas.microsoft.com/office/drawing/2014/main" id="{3021A1A1-3443-BEE9-9CF8-5780D0B51181}"/>
               </a:ext>
             </a:extLst>
           </p:cNvPr>
@@ -580,7 +580,7 @@
           <p:cNvPr id="3" name="竖排文字占位符 2">
             <a:extLst>
               <a:ext uri="{FF2B5EF4-FFF2-40B4-BE49-F238E27FC236}">
-                <a16:creationId xmlns:a16="http://schemas.microsoft.com/office/drawing/2014/main" id="{1305906D-7583-F29A-9125-26B4C6B3FAB8}"/>
+                <a16:creationId xmlns:a16="http://schemas.microsoft.com/office/drawing/2014/main" id="{7A487E6C-7E11-0470-D6E6-FF894BBDDA03}"/>
               </a:ext>
             </a:extLst>
           </p:cNvPr>
@@ -642,7 +642,7 @@
           <p:cNvPr id="4" name="日期占位符 3">
             <a:extLst>
               <a:ext uri="{FF2B5EF4-FFF2-40B4-BE49-F238E27FC236}">
-                <a16:creationId xmlns:a16="http://schemas.microsoft.com/office/drawing/2014/main" id="{94674186-AA31-AAB1-ACF2-2E238DAC0C55}"/>
+                <a16:creationId xmlns:a16="http://schemas.microsoft.com/office/drawing/2014/main" id="{F17FF219-2293-213D-F1CF-E4F03864D830}"/>
               </a:ext>
             </a:extLst>
           </p:cNvPr>
@@ -658,7 +658,7 @@
           <a:bodyPr/>
           <a:lstStyle/>
           <a:p>
-            <a:fld id="{6B243526-913B-438E-8D97-6D5C34D656F6}" type="datetimeFigureOut">
+            <a:fld id="{9CACC6E7-7832-4A54-960C-1143FEC9E15B}" type="datetimeFigureOut">
               <a:rPr lang="zh-CN" altLang="en-US" smtClean="0"/>
               <a:t>2024/3/10</a:t>
             </a:fld>
@@ -671,7 +671,7 @@
           <p:cNvPr id="5" name="页脚占位符 4">
             <a:extLst>
               <a:ext uri="{FF2B5EF4-FFF2-40B4-BE49-F238E27FC236}">
-                <a16:creationId xmlns:a16="http://schemas.microsoft.com/office/drawing/2014/main" id="{4E2C34E9-47DD-EEB6-A995-7D6CC6A1707D}"/>
+                <a16:creationId xmlns:a16="http://schemas.microsoft.com/office/drawing/2014/main" id="{498E143B-5113-56B2-E12D-583B1E10081F}"/>
               </a:ext>
             </a:extLst>
           </p:cNvPr>
@@ -696,7 +696,7 @@
           <p:cNvPr id="6" name="灯片编号占位符 5">
             <a:extLst>
               <a:ext uri="{FF2B5EF4-FFF2-40B4-BE49-F238E27FC236}">
-                <a16:creationId xmlns:a16="http://schemas.microsoft.com/office/drawing/2014/main" id="{04C9CD75-BF72-13B1-A500-6605ACFC302B}"/>
+                <a16:creationId xmlns:a16="http://schemas.microsoft.com/office/drawing/2014/main" id="{820EEB32-16E2-E5CB-D168-3A88BC8885DA}"/>
               </a:ext>
             </a:extLst>
           </p:cNvPr>
@@ -712,7 +712,7 @@
           <a:bodyPr/>
           <a:lstStyle/>
           <a:p>
-            <a:fld id="{63DAC3B0-7FE5-4264-BC29-F824E1DC8F3A}" type="slidenum">
+            <a:fld id="{26F342FB-FDB5-4CC2-B2EF-B929FD4E3A2D}" type="slidenum">
               <a:rPr lang="zh-CN" altLang="en-US" smtClean="0"/>
               <a:t>‹#›</a:t>
             </a:fld>
@@ -723,7 +723,7 @@
     </p:spTree>
     <p:extLst>
       <p:ext uri="{BB962C8B-B14F-4D97-AF65-F5344CB8AC3E}">
-        <p14:creationId xmlns:p14="http://schemas.microsoft.com/office/powerpoint/2010/main" val="1192501497"/>
+        <p14:creationId xmlns:p14="http://schemas.microsoft.com/office/powerpoint/2010/main" val="2200325101"/>
       </p:ext>
     </p:extLst>
   </p:cSld>
@@ -755,7 +755,7 @@
           <p:cNvPr id="2" name="标题 1">
             <a:extLst>
               <a:ext uri="{FF2B5EF4-FFF2-40B4-BE49-F238E27FC236}">
-                <a16:creationId xmlns:a16="http://schemas.microsoft.com/office/drawing/2014/main" id="{EC3BD618-83D4-8449-4AB4-1783A6CFABFD}"/>
+                <a16:creationId xmlns:a16="http://schemas.microsoft.com/office/drawing/2014/main" id="{6CD8D64D-5A65-97AD-BA27-8BE80A849B1D}"/>
               </a:ext>
             </a:extLst>
           </p:cNvPr>
@@ -783,7 +783,7 @@
           <p:cNvPr id="3" name="内容占位符 2">
             <a:extLst>
               <a:ext uri="{FF2B5EF4-FFF2-40B4-BE49-F238E27FC236}">
-                <a16:creationId xmlns:a16="http://schemas.microsoft.com/office/drawing/2014/main" id="{FAA81C48-CAB3-D12D-F09C-4E15D86AE88F}"/>
+                <a16:creationId xmlns:a16="http://schemas.microsoft.com/office/drawing/2014/main" id="{2654EBFE-EF44-72DB-8F42-F5DE5EF710FC}"/>
               </a:ext>
             </a:extLst>
           </p:cNvPr>
@@ -840,7 +840,7 @@
           <p:cNvPr id="4" name="日期占位符 3">
             <a:extLst>
               <a:ext uri="{FF2B5EF4-FFF2-40B4-BE49-F238E27FC236}">
-                <a16:creationId xmlns:a16="http://schemas.microsoft.com/office/drawing/2014/main" id="{78E177D4-9908-3334-5092-FD028642E2E0}"/>
+                <a16:creationId xmlns:a16="http://schemas.microsoft.com/office/drawing/2014/main" id="{14F642FF-A41A-BEE6-22AF-510ECADB57F1}"/>
               </a:ext>
             </a:extLst>
           </p:cNvPr>
@@ -856,7 +856,7 @@
           <a:bodyPr/>
           <a:lstStyle/>
           <a:p>
-            <a:fld id="{6B243526-913B-438E-8D97-6D5C34D656F6}" type="datetimeFigureOut">
+            <a:fld id="{9CACC6E7-7832-4A54-960C-1143FEC9E15B}" type="datetimeFigureOut">
               <a:rPr lang="zh-CN" altLang="en-US" smtClean="0"/>
               <a:t>2024/3/10</a:t>
             </a:fld>
@@ -869,7 +869,7 @@
           <p:cNvPr id="5" name="页脚占位符 4">
             <a:extLst>
               <a:ext uri="{FF2B5EF4-FFF2-40B4-BE49-F238E27FC236}">
-                <a16:creationId xmlns:a16="http://schemas.microsoft.com/office/drawing/2014/main" id="{F4AFBC96-A0EB-2CAA-0CA7-5D52C15BAC3B}"/>
+                <a16:creationId xmlns:a16="http://schemas.microsoft.com/office/drawing/2014/main" id="{2226A3C9-6444-6305-3C47-9664B00002DE}"/>
               </a:ext>
             </a:extLst>
           </p:cNvPr>
@@ -894,7 +894,7 @@
           <p:cNvPr id="6" name="灯片编号占位符 5">
             <a:extLst>
               <a:ext uri="{FF2B5EF4-FFF2-40B4-BE49-F238E27FC236}">
-                <a16:creationId xmlns:a16="http://schemas.microsoft.com/office/drawing/2014/main" id="{6731DBAC-B158-203A-ACCB-3F23CA6E995C}"/>
+                <a16:creationId xmlns:a16="http://schemas.microsoft.com/office/drawing/2014/main" id="{E467B9DC-A9F8-113F-51AA-A7355D75ACE8}"/>
               </a:ext>
             </a:extLst>
           </p:cNvPr>
@@ -910,7 +910,7 @@
           <a:bodyPr/>
           <a:lstStyle/>
           <a:p>
-            <a:fld id="{63DAC3B0-7FE5-4264-BC29-F824E1DC8F3A}" type="slidenum">
+            <a:fld id="{26F342FB-FDB5-4CC2-B2EF-B929FD4E3A2D}" type="slidenum">
               <a:rPr lang="zh-CN" altLang="en-US" smtClean="0"/>
               <a:t>‹#›</a:t>
             </a:fld>
@@ -921,7 +921,7 @@
     </p:spTree>
     <p:extLst>
       <p:ext uri="{BB962C8B-B14F-4D97-AF65-F5344CB8AC3E}">
-        <p14:creationId xmlns:p14="http://schemas.microsoft.com/office/powerpoint/2010/main" val="470654576"/>
+        <p14:creationId xmlns:p14="http://schemas.microsoft.com/office/powerpoint/2010/main" val="3691092895"/>
       </p:ext>
     </p:extLst>
   </p:cSld>
@@ -953,7 +953,7 @@
           <p:cNvPr id="2" name="标题 1">
             <a:extLst>
               <a:ext uri="{FF2B5EF4-FFF2-40B4-BE49-F238E27FC236}">
-                <a16:creationId xmlns:a16="http://schemas.microsoft.com/office/drawing/2014/main" id="{E30FB30A-5591-D694-EDCE-4BD341F690DF}"/>
+                <a16:creationId xmlns:a16="http://schemas.microsoft.com/office/drawing/2014/main" id="{2991093C-D2D9-5814-882D-F1091A32CCE9}"/>
               </a:ext>
             </a:extLst>
           </p:cNvPr>
@@ -990,7 +990,7 @@
           <p:cNvPr id="3" name="文本占位符 2">
             <a:extLst>
               <a:ext uri="{FF2B5EF4-FFF2-40B4-BE49-F238E27FC236}">
-                <a16:creationId xmlns:a16="http://schemas.microsoft.com/office/drawing/2014/main" id="{2CE1AE9F-7A22-DF64-996E-A0A7DA2E7EDD}"/>
+                <a16:creationId xmlns:a16="http://schemas.microsoft.com/office/drawing/2014/main" id="{D69EE0AB-E0F3-6BB3-1FFB-1023E05403D8}"/>
               </a:ext>
             </a:extLst>
           </p:cNvPr>
@@ -1115,7 +1115,7 @@
           <p:cNvPr id="4" name="日期占位符 3">
             <a:extLst>
               <a:ext uri="{FF2B5EF4-FFF2-40B4-BE49-F238E27FC236}">
-                <a16:creationId xmlns:a16="http://schemas.microsoft.com/office/drawing/2014/main" id="{B2BDA4CE-1797-2588-A5F1-66B2AB933719}"/>
+                <a16:creationId xmlns:a16="http://schemas.microsoft.com/office/drawing/2014/main" id="{8DFAD8C4-75E1-E6BB-DA49-FA400DE9D970}"/>
               </a:ext>
             </a:extLst>
           </p:cNvPr>
@@ -1131,7 +1131,7 @@
           <a:bodyPr/>
           <a:lstStyle/>
           <a:p>
-            <a:fld id="{6B243526-913B-438E-8D97-6D5C34D656F6}" type="datetimeFigureOut">
+            <a:fld id="{9CACC6E7-7832-4A54-960C-1143FEC9E15B}" type="datetimeFigureOut">
               <a:rPr lang="zh-CN" altLang="en-US" smtClean="0"/>
               <a:t>2024/3/10</a:t>
             </a:fld>
@@ -1144,7 +1144,7 @@
           <p:cNvPr id="5" name="页脚占位符 4">
             <a:extLst>
               <a:ext uri="{FF2B5EF4-FFF2-40B4-BE49-F238E27FC236}">
-                <a16:creationId xmlns:a16="http://schemas.microsoft.com/office/drawing/2014/main" id="{FE1EA954-9F1A-1604-0AC0-F8C574340B2D}"/>
+                <a16:creationId xmlns:a16="http://schemas.microsoft.com/office/drawing/2014/main" id="{B384F843-2FBF-327E-5D00-1EC973D7A5FE}"/>
               </a:ext>
             </a:extLst>
           </p:cNvPr>
@@ -1169,7 +1169,7 @@
           <p:cNvPr id="6" name="灯片编号占位符 5">
             <a:extLst>
               <a:ext uri="{FF2B5EF4-FFF2-40B4-BE49-F238E27FC236}">
-                <a16:creationId xmlns:a16="http://schemas.microsoft.com/office/drawing/2014/main" id="{7B5168FE-312A-7E2D-99C0-A77F692ECAEB}"/>
+                <a16:creationId xmlns:a16="http://schemas.microsoft.com/office/drawing/2014/main" id="{A8A59F97-7C6F-E4C6-6E40-02016974AEC2}"/>
               </a:ext>
             </a:extLst>
           </p:cNvPr>
@@ -1185,7 +1185,7 @@
           <a:bodyPr/>
           <a:lstStyle/>
           <a:p>
-            <a:fld id="{63DAC3B0-7FE5-4264-BC29-F824E1DC8F3A}" type="slidenum">
+            <a:fld id="{26F342FB-FDB5-4CC2-B2EF-B929FD4E3A2D}" type="slidenum">
               <a:rPr lang="zh-CN" altLang="en-US" smtClean="0"/>
               <a:t>‹#›</a:t>
             </a:fld>
@@ -1196,7 +1196,7 @@
     </p:spTree>
     <p:extLst>
       <p:ext uri="{BB962C8B-B14F-4D97-AF65-F5344CB8AC3E}">
-        <p14:creationId xmlns:p14="http://schemas.microsoft.com/office/powerpoint/2010/main" val="4111836989"/>
+        <p14:creationId xmlns:p14="http://schemas.microsoft.com/office/powerpoint/2010/main" val="4170085023"/>
       </p:ext>
     </p:extLst>
   </p:cSld>
@@ -1228,7 +1228,7 @@
           <p:cNvPr id="2" name="标题 1">
             <a:extLst>
               <a:ext uri="{FF2B5EF4-FFF2-40B4-BE49-F238E27FC236}">
-                <a16:creationId xmlns:a16="http://schemas.microsoft.com/office/drawing/2014/main" id="{749449A1-63C4-0C2F-FEC0-175CCF8D429C}"/>
+                <a16:creationId xmlns:a16="http://schemas.microsoft.com/office/drawing/2014/main" id="{39076E39-D8D8-73F8-F99B-650A06F67BFC}"/>
               </a:ext>
             </a:extLst>
           </p:cNvPr>
@@ -1256,7 +1256,7 @@
           <p:cNvPr id="3" name="内容占位符 2">
             <a:extLst>
               <a:ext uri="{FF2B5EF4-FFF2-40B4-BE49-F238E27FC236}">
-                <a16:creationId xmlns:a16="http://schemas.microsoft.com/office/drawing/2014/main" id="{FB397347-9432-B38B-5EC8-197BC24708BB}"/>
+                <a16:creationId xmlns:a16="http://schemas.microsoft.com/office/drawing/2014/main" id="{053A207C-9310-EE03-C476-C6EC3F617DF2}"/>
               </a:ext>
             </a:extLst>
           </p:cNvPr>
@@ -1318,7 +1318,7 @@
           <p:cNvPr id="4" name="内容占位符 3">
             <a:extLst>
               <a:ext uri="{FF2B5EF4-FFF2-40B4-BE49-F238E27FC236}">
-                <a16:creationId xmlns:a16="http://schemas.microsoft.com/office/drawing/2014/main" id="{1EF04ECB-8B71-9C1E-8BAD-782DD62BF981}"/>
+                <a16:creationId xmlns:a16="http://schemas.microsoft.com/office/drawing/2014/main" id="{2836640D-EBD1-394E-9085-CA833B3FDF59}"/>
               </a:ext>
             </a:extLst>
           </p:cNvPr>
@@ -1380,7 +1380,7 @@
           <p:cNvPr id="5" name="日期占位符 4">
             <a:extLst>
               <a:ext uri="{FF2B5EF4-FFF2-40B4-BE49-F238E27FC236}">
-                <a16:creationId xmlns:a16="http://schemas.microsoft.com/office/drawing/2014/main" id="{11726760-522A-D771-AC53-F73FDBEF6576}"/>
+                <a16:creationId xmlns:a16="http://schemas.microsoft.com/office/drawing/2014/main" id="{4FF40F70-AE8A-A7C2-52CF-474F98FFCEEC}"/>
               </a:ext>
             </a:extLst>
           </p:cNvPr>
@@ -1396,7 +1396,7 @@
           <a:bodyPr/>
           <a:lstStyle/>
           <a:p>
-            <a:fld id="{6B243526-913B-438E-8D97-6D5C34D656F6}" type="datetimeFigureOut">
+            <a:fld id="{9CACC6E7-7832-4A54-960C-1143FEC9E15B}" type="datetimeFigureOut">
               <a:rPr lang="zh-CN" altLang="en-US" smtClean="0"/>
               <a:t>2024/3/10</a:t>
             </a:fld>
@@ -1409,7 +1409,7 @@
           <p:cNvPr id="6" name="页脚占位符 5">
             <a:extLst>
               <a:ext uri="{FF2B5EF4-FFF2-40B4-BE49-F238E27FC236}">
-                <a16:creationId xmlns:a16="http://schemas.microsoft.com/office/drawing/2014/main" id="{1385C0B8-3B74-9407-C4BD-4943457BC53E}"/>
+                <a16:creationId xmlns:a16="http://schemas.microsoft.com/office/drawing/2014/main" id="{827FCEB3-2E83-EAB5-61BC-2476BF6B9838}"/>
               </a:ext>
             </a:extLst>
           </p:cNvPr>
@@ -1434,7 +1434,7 @@
           <p:cNvPr id="7" name="灯片编号占位符 6">
             <a:extLst>
               <a:ext uri="{FF2B5EF4-FFF2-40B4-BE49-F238E27FC236}">
-                <a16:creationId xmlns:a16="http://schemas.microsoft.com/office/drawing/2014/main" id="{605F013C-D056-384A-5144-7EE9B5880EF0}"/>
+                <a16:creationId xmlns:a16="http://schemas.microsoft.com/office/drawing/2014/main" id="{3962F828-51D1-2CD3-E6B5-3E47AD6376F1}"/>
               </a:ext>
             </a:extLst>
           </p:cNvPr>
@@ -1450,7 +1450,7 @@
           <a:bodyPr/>
           <a:lstStyle/>
           <a:p>
-            <a:fld id="{63DAC3B0-7FE5-4264-BC29-F824E1DC8F3A}" type="slidenum">
+            <a:fld id="{26F342FB-FDB5-4CC2-B2EF-B929FD4E3A2D}" type="slidenum">
               <a:rPr lang="zh-CN" altLang="en-US" smtClean="0"/>
               <a:t>‹#›</a:t>
             </a:fld>
@@ -1461,7 +1461,7 @@
     </p:spTree>
     <p:extLst>
       <p:ext uri="{BB962C8B-B14F-4D97-AF65-F5344CB8AC3E}">
-        <p14:creationId xmlns:p14="http://schemas.microsoft.com/office/powerpoint/2010/main" val="1939126391"/>
+        <p14:creationId xmlns:p14="http://schemas.microsoft.com/office/powerpoint/2010/main" val="4217849144"/>
       </p:ext>
     </p:extLst>
   </p:cSld>
@@ -1493,7 +1493,7 @@
           <p:cNvPr id="2" name="标题 1">
             <a:extLst>
               <a:ext uri="{FF2B5EF4-FFF2-40B4-BE49-F238E27FC236}">
-                <a16:creationId xmlns:a16="http://schemas.microsoft.com/office/drawing/2014/main" id="{21F35244-A308-6395-CD59-258F3269CC0E}"/>
+                <a16:creationId xmlns:a16="http://schemas.microsoft.com/office/drawing/2014/main" id="{D54AC3C8-F0EC-A744-CB96-A978C959E71F}"/>
               </a:ext>
             </a:extLst>
           </p:cNvPr>
@@ -1526,7 +1526,7 @@
           <p:cNvPr id="3" name="文本占位符 2">
             <a:extLst>
               <a:ext uri="{FF2B5EF4-FFF2-40B4-BE49-F238E27FC236}">
-                <a16:creationId xmlns:a16="http://schemas.microsoft.com/office/drawing/2014/main" id="{927F3E6B-9103-1AA5-78DA-F07597C4A4DD}"/>
+                <a16:creationId xmlns:a16="http://schemas.microsoft.com/office/drawing/2014/main" id="{C0307125-988D-6B26-74BD-5B8F400E8512}"/>
               </a:ext>
             </a:extLst>
           </p:cNvPr>
@@ -1597,7 +1597,7 @@
           <p:cNvPr id="4" name="内容占位符 3">
             <a:extLst>
               <a:ext uri="{FF2B5EF4-FFF2-40B4-BE49-F238E27FC236}">
-                <a16:creationId xmlns:a16="http://schemas.microsoft.com/office/drawing/2014/main" id="{2B974096-CDB3-5086-3439-9600EF76EF53}"/>
+                <a16:creationId xmlns:a16="http://schemas.microsoft.com/office/drawing/2014/main" id="{6B893376-6D70-B65E-D123-5CCDCA32AB6F}"/>
               </a:ext>
             </a:extLst>
           </p:cNvPr>
@@ -1659,7 +1659,7 @@
           <p:cNvPr id="5" name="文本占位符 4">
             <a:extLst>
               <a:ext uri="{FF2B5EF4-FFF2-40B4-BE49-F238E27FC236}">
-                <a16:creationId xmlns:a16="http://schemas.microsoft.com/office/drawing/2014/main" id="{DA98CBB0-A0E9-FAF2-16E7-AEF73296A5C2}"/>
+                <a16:creationId xmlns:a16="http://schemas.microsoft.com/office/drawing/2014/main" id="{2F587414-8864-F3F7-05B1-92330F84E6A2}"/>
               </a:ext>
             </a:extLst>
           </p:cNvPr>
@@ -1730,7 +1730,7 @@
           <p:cNvPr id="6" name="内容占位符 5">
             <a:extLst>
               <a:ext uri="{FF2B5EF4-FFF2-40B4-BE49-F238E27FC236}">
-                <a16:creationId xmlns:a16="http://schemas.microsoft.com/office/drawing/2014/main" id="{2B5F30AA-8F16-4E80-D402-23C3AF9362B6}"/>
+                <a16:creationId xmlns:a16="http://schemas.microsoft.com/office/drawing/2014/main" id="{C2A4C42A-3519-887A-BAEF-49359C44713D}"/>
               </a:ext>
             </a:extLst>
           </p:cNvPr>
@@ -1792,7 +1792,7 @@
           <p:cNvPr id="7" name="日期占位符 6">
             <a:extLst>
               <a:ext uri="{FF2B5EF4-FFF2-40B4-BE49-F238E27FC236}">
-                <a16:creationId xmlns:a16="http://schemas.microsoft.com/office/drawing/2014/main" id="{D888FA37-3CA2-0FB7-8846-26A7B3E4CDFB}"/>
+                <a16:creationId xmlns:a16="http://schemas.microsoft.com/office/drawing/2014/main" id="{91468B16-82C0-EF05-7971-475648761368}"/>
               </a:ext>
             </a:extLst>
           </p:cNvPr>
@@ -1808,7 +1808,7 @@
           <a:bodyPr/>
           <a:lstStyle/>
           <a:p>
-            <a:fld id="{6B243526-913B-438E-8D97-6D5C34D656F6}" type="datetimeFigureOut">
+            <a:fld id="{9CACC6E7-7832-4A54-960C-1143FEC9E15B}" type="datetimeFigureOut">
               <a:rPr lang="zh-CN" altLang="en-US" smtClean="0"/>
               <a:t>2024/3/10</a:t>
             </a:fld>
@@ -1821,7 +1821,7 @@
           <p:cNvPr id="8" name="页脚占位符 7">
             <a:extLst>
               <a:ext uri="{FF2B5EF4-FFF2-40B4-BE49-F238E27FC236}">
-                <a16:creationId xmlns:a16="http://schemas.microsoft.com/office/drawing/2014/main" id="{75B66444-2DFC-41D7-B8C2-7CC7E16F9C21}"/>
+                <a16:creationId xmlns:a16="http://schemas.microsoft.com/office/drawing/2014/main" id="{0BFF7A40-60FB-F57C-4153-0D124512A81D}"/>
               </a:ext>
             </a:extLst>
           </p:cNvPr>
@@ -1846,7 +1846,7 @@
           <p:cNvPr id="9" name="灯片编号占位符 8">
             <a:extLst>
               <a:ext uri="{FF2B5EF4-FFF2-40B4-BE49-F238E27FC236}">
-                <a16:creationId xmlns:a16="http://schemas.microsoft.com/office/drawing/2014/main" id="{8FC04998-15D5-1056-21EC-581DE4A615CB}"/>
+                <a16:creationId xmlns:a16="http://schemas.microsoft.com/office/drawing/2014/main" id="{6842EF13-2DB7-8FFC-E745-1C873C9DFE6B}"/>
               </a:ext>
             </a:extLst>
           </p:cNvPr>
@@ -1862,7 +1862,7 @@
           <a:bodyPr/>
           <a:lstStyle/>
           <a:p>
-            <a:fld id="{63DAC3B0-7FE5-4264-BC29-F824E1DC8F3A}" type="slidenum">
+            <a:fld id="{26F342FB-FDB5-4CC2-B2EF-B929FD4E3A2D}" type="slidenum">
               <a:rPr lang="zh-CN" altLang="en-US" smtClean="0"/>
               <a:t>‹#›</a:t>
             </a:fld>
@@ -1873,7 +1873,7 @@
     </p:spTree>
     <p:extLst>
       <p:ext uri="{BB962C8B-B14F-4D97-AF65-F5344CB8AC3E}">
-        <p14:creationId xmlns:p14="http://schemas.microsoft.com/office/powerpoint/2010/main" val="3342957504"/>
+        <p14:creationId xmlns:p14="http://schemas.microsoft.com/office/powerpoint/2010/main" val="1592222127"/>
       </p:ext>
     </p:extLst>
   </p:cSld>
@@ -1905,7 +1905,7 @@
           <p:cNvPr id="2" name="标题 1">
             <a:extLst>
               <a:ext uri="{FF2B5EF4-FFF2-40B4-BE49-F238E27FC236}">
-                <a16:creationId xmlns:a16="http://schemas.microsoft.com/office/drawing/2014/main" id="{D2D6DE1D-1598-D6FB-916B-6789EA93BE82}"/>
+                <a16:creationId xmlns:a16="http://schemas.microsoft.com/office/drawing/2014/main" id="{E168E4BB-9E19-D42D-6F26-CF8D2E45BE47}"/>
               </a:ext>
             </a:extLst>
           </p:cNvPr>
@@ -1933,7 +1933,7 @@
           <p:cNvPr id="3" name="日期占位符 2">
             <a:extLst>
               <a:ext uri="{FF2B5EF4-FFF2-40B4-BE49-F238E27FC236}">
-                <a16:creationId xmlns:a16="http://schemas.microsoft.com/office/drawing/2014/main" id="{5B46A44C-BC80-8161-0710-B8C04C5C0B30}"/>
+                <a16:creationId xmlns:a16="http://schemas.microsoft.com/office/drawing/2014/main" id="{0E47EAB3-C4E1-A22A-F7ED-5754301C38B8}"/>
               </a:ext>
             </a:extLst>
           </p:cNvPr>
@@ -1949,7 +1949,7 @@
           <a:bodyPr/>
           <a:lstStyle/>
           <a:p>
-            <a:fld id="{6B243526-913B-438E-8D97-6D5C34D656F6}" type="datetimeFigureOut">
+            <a:fld id="{9CACC6E7-7832-4A54-960C-1143FEC9E15B}" type="datetimeFigureOut">
               <a:rPr lang="zh-CN" altLang="en-US" smtClean="0"/>
               <a:t>2024/3/10</a:t>
             </a:fld>
@@ -1962,7 +1962,7 @@
           <p:cNvPr id="4" name="页脚占位符 3">
             <a:extLst>
               <a:ext uri="{FF2B5EF4-FFF2-40B4-BE49-F238E27FC236}">
-                <a16:creationId xmlns:a16="http://schemas.microsoft.com/office/drawing/2014/main" id="{5116D5F1-4DF1-2269-1254-8DFBEB9ACFAA}"/>
+                <a16:creationId xmlns:a16="http://schemas.microsoft.com/office/drawing/2014/main" id="{BDBD8DDC-4398-8898-BA58-ECD812009DCA}"/>
               </a:ext>
             </a:extLst>
           </p:cNvPr>
@@ -1987,7 +1987,7 @@
           <p:cNvPr id="5" name="灯片编号占位符 4">
             <a:extLst>
               <a:ext uri="{FF2B5EF4-FFF2-40B4-BE49-F238E27FC236}">
-                <a16:creationId xmlns:a16="http://schemas.microsoft.com/office/drawing/2014/main" id="{A0864BAA-BB8A-BC46-6CC4-266BEDD985E9}"/>
+                <a16:creationId xmlns:a16="http://schemas.microsoft.com/office/drawing/2014/main" id="{9BA0F62A-9CF5-0363-C11B-033D7C88A3A7}"/>
               </a:ext>
             </a:extLst>
           </p:cNvPr>
@@ -2003,7 +2003,7 @@
           <a:bodyPr/>
           <a:lstStyle/>
           <a:p>
-            <a:fld id="{63DAC3B0-7FE5-4264-BC29-F824E1DC8F3A}" type="slidenum">
+            <a:fld id="{26F342FB-FDB5-4CC2-B2EF-B929FD4E3A2D}" type="slidenum">
               <a:rPr lang="zh-CN" altLang="en-US" smtClean="0"/>
               <a:t>‹#›</a:t>
             </a:fld>
@@ -2014,7 +2014,7 @@
     </p:spTree>
     <p:extLst>
       <p:ext uri="{BB962C8B-B14F-4D97-AF65-F5344CB8AC3E}">
-        <p14:creationId xmlns:p14="http://schemas.microsoft.com/office/powerpoint/2010/main" val="3422418383"/>
+        <p14:creationId xmlns:p14="http://schemas.microsoft.com/office/powerpoint/2010/main" val="3676399471"/>
       </p:ext>
     </p:extLst>
   </p:cSld>
@@ -2046,7 +2046,7 @@
           <p:cNvPr id="2" name="日期占位符 1">
             <a:extLst>
               <a:ext uri="{FF2B5EF4-FFF2-40B4-BE49-F238E27FC236}">
-                <a16:creationId xmlns:a16="http://schemas.microsoft.com/office/drawing/2014/main" id="{8AE73F15-E061-5A52-4893-ACBE0B55229D}"/>
+                <a16:creationId xmlns:a16="http://schemas.microsoft.com/office/drawing/2014/main" id="{BD04E18E-DAC8-C07A-5A31-E6F275B3104D}"/>
               </a:ext>
             </a:extLst>
           </p:cNvPr>
@@ -2062,7 +2062,7 @@
           <a:bodyPr/>
           <a:lstStyle/>
           <a:p>
-            <a:fld id="{6B243526-913B-438E-8D97-6D5C34D656F6}" type="datetimeFigureOut">
+            <a:fld id="{9CACC6E7-7832-4A54-960C-1143FEC9E15B}" type="datetimeFigureOut">
               <a:rPr lang="zh-CN" altLang="en-US" smtClean="0"/>
               <a:t>2024/3/10</a:t>
             </a:fld>
@@ -2075,7 +2075,7 @@
           <p:cNvPr id="3" name="页脚占位符 2">
             <a:extLst>
               <a:ext uri="{FF2B5EF4-FFF2-40B4-BE49-F238E27FC236}">
-                <a16:creationId xmlns:a16="http://schemas.microsoft.com/office/drawing/2014/main" id="{84F2C52E-85C4-FF2A-D4CC-A0444547D28B}"/>
+                <a16:creationId xmlns:a16="http://schemas.microsoft.com/office/drawing/2014/main" id="{3C902EB1-88E7-8D7E-E518-3AFD7F591FBE}"/>
               </a:ext>
             </a:extLst>
           </p:cNvPr>
@@ -2100,7 +2100,7 @@
           <p:cNvPr id="4" name="灯片编号占位符 3">
             <a:extLst>
               <a:ext uri="{FF2B5EF4-FFF2-40B4-BE49-F238E27FC236}">
-                <a16:creationId xmlns:a16="http://schemas.microsoft.com/office/drawing/2014/main" id="{A9C53599-CA5B-0C7A-9C5E-7263830D38FA}"/>
+                <a16:creationId xmlns:a16="http://schemas.microsoft.com/office/drawing/2014/main" id="{9A14A4C0-3106-82F0-7321-E8371EBD8AC1}"/>
               </a:ext>
             </a:extLst>
           </p:cNvPr>
@@ -2116,7 +2116,7 @@
           <a:bodyPr/>
           <a:lstStyle/>
           <a:p>
-            <a:fld id="{63DAC3B0-7FE5-4264-BC29-F824E1DC8F3A}" type="slidenum">
+            <a:fld id="{26F342FB-FDB5-4CC2-B2EF-B929FD4E3A2D}" type="slidenum">
               <a:rPr lang="zh-CN" altLang="en-US" smtClean="0"/>
               <a:t>‹#›</a:t>
             </a:fld>
@@ -2127,7 +2127,7 @@
     </p:spTree>
     <p:extLst>
       <p:ext uri="{BB962C8B-B14F-4D97-AF65-F5344CB8AC3E}">
-        <p14:creationId xmlns:p14="http://schemas.microsoft.com/office/powerpoint/2010/main" val="1109905226"/>
+        <p14:creationId xmlns:p14="http://schemas.microsoft.com/office/powerpoint/2010/main" val="2537164833"/>
       </p:ext>
     </p:extLst>
   </p:cSld>
@@ -2159,7 +2159,7 @@
           <p:cNvPr id="2" name="标题 1">
             <a:extLst>
               <a:ext uri="{FF2B5EF4-FFF2-40B4-BE49-F238E27FC236}">
-                <a16:creationId xmlns:a16="http://schemas.microsoft.com/office/drawing/2014/main" id="{CCDC1AD7-F9FF-74A3-EDAD-ABA8F80CC7D8}"/>
+                <a16:creationId xmlns:a16="http://schemas.microsoft.com/office/drawing/2014/main" id="{9F2375B7-9864-0D71-5B70-59338457A77B}"/>
               </a:ext>
             </a:extLst>
           </p:cNvPr>
@@ -2196,7 +2196,7 @@
           <p:cNvPr id="3" name="内容占位符 2">
             <a:extLst>
               <a:ext uri="{FF2B5EF4-FFF2-40B4-BE49-F238E27FC236}">
-                <a16:creationId xmlns:a16="http://schemas.microsoft.com/office/drawing/2014/main" id="{56DA5F9E-0889-3680-5CBA-8A476DAF3C18}"/>
+                <a16:creationId xmlns:a16="http://schemas.microsoft.com/office/drawing/2014/main" id="{6194A53A-94C0-ACCA-65AA-245BF3E71D17}"/>
               </a:ext>
             </a:extLst>
           </p:cNvPr>
@@ -2286,7 +2286,7 @@
           <p:cNvPr id="4" name="文本占位符 3">
             <a:extLst>
               <a:ext uri="{FF2B5EF4-FFF2-40B4-BE49-F238E27FC236}">
-                <a16:creationId xmlns:a16="http://schemas.microsoft.com/office/drawing/2014/main" id="{E816AE35-9D9D-8E86-8240-BA119F4F7C1E}"/>
+                <a16:creationId xmlns:a16="http://schemas.microsoft.com/office/drawing/2014/main" id="{80C5BB33-A2BB-B85D-C643-2FD0F7EAF2E3}"/>
               </a:ext>
             </a:extLst>
           </p:cNvPr>
@@ -2357,7 +2357,7 @@
           <p:cNvPr id="5" name="日期占位符 4">
             <a:extLst>
               <a:ext uri="{FF2B5EF4-FFF2-40B4-BE49-F238E27FC236}">
-                <a16:creationId xmlns:a16="http://schemas.microsoft.com/office/drawing/2014/main" id="{E39BDF26-45BE-97FE-F87F-877527B1BF78}"/>
+                <a16:creationId xmlns:a16="http://schemas.microsoft.com/office/drawing/2014/main" id="{3D8E0FC0-F10A-DFA6-65FD-0E4C6944F730}"/>
               </a:ext>
             </a:extLst>
           </p:cNvPr>
@@ -2373,7 +2373,7 @@
           <a:bodyPr/>
           <a:lstStyle/>
           <a:p>
-            <a:fld id="{6B243526-913B-438E-8D97-6D5C34D656F6}" type="datetimeFigureOut">
+            <a:fld id="{9CACC6E7-7832-4A54-960C-1143FEC9E15B}" type="datetimeFigureOut">
               <a:rPr lang="zh-CN" altLang="en-US" smtClean="0"/>
               <a:t>2024/3/10</a:t>
             </a:fld>
@@ -2386,7 +2386,7 @@
           <p:cNvPr id="6" name="页脚占位符 5">
             <a:extLst>
               <a:ext uri="{FF2B5EF4-FFF2-40B4-BE49-F238E27FC236}">
-                <a16:creationId xmlns:a16="http://schemas.microsoft.com/office/drawing/2014/main" id="{1A93B57A-5636-ADE6-6A1F-DC6B163087E2}"/>
+                <a16:creationId xmlns:a16="http://schemas.microsoft.com/office/drawing/2014/main" id="{21E6E5EC-A222-E464-B1EC-CE234B2E7A5F}"/>
               </a:ext>
             </a:extLst>
           </p:cNvPr>
@@ -2411,7 +2411,7 @@
           <p:cNvPr id="7" name="灯片编号占位符 6">
             <a:extLst>
               <a:ext uri="{FF2B5EF4-FFF2-40B4-BE49-F238E27FC236}">
-                <a16:creationId xmlns:a16="http://schemas.microsoft.com/office/drawing/2014/main" id="{7D5E29EE-F6C4-980A-5440-B882B8936340}"/>
+                <a16:creationId xmlns:a16="http://schemas.microsoft.com/office/drawing/2014/main" id="{C463BA22-78BF-D421-E7DF-3048378C1799}"/>
               </a:ext>
             </a:extLst>
           </p:cNvPr>
@@ -2427,7 +2427,7 @@
           <a:bodyPr/>
           <a:lstStyle/>
           <a:p>
-            <a:fld id="{63DAC3B0-7FE5-4264-BC29-F824E1DC8F3A}" type="slidenum">
+            <a:fld id="{26F342FB-FDB5-4CC2-B2EF-B929FD4E3A2D}" type="slidenum">
               <a:rPr lang="zh-CN" altLang="en-US" smtClean="0"/>
               <a:t>‹#›</a:t>
             </a:fld>
@@ -2438,7 +2438,7 @@
     </p:spTree>
     <p:extLst>
       <p:ext uri="{BB962C8B-B14F-4D97-AF65-F5344CB8AC3E}">
-        <p14:creationId xmlns:p14="http://schemas.microsoft.com/office/powerpoint/2010/main" val="2015541953"/>
+        <p14:creationId xmlns:p14="http://schemas.microsoft.com/office/powerpoint/2010/main" val="3579587530"/>
       </p:ext>
     </p:extLst>
   </p:cSld>
@@ -2470,7 +2470,7 @@
           <p:cNvPr id="2" name="标题 1">
             <a:extLst>
               <a:ext uri="{FF2B5EF4-FFF2-40B4-BE49-F238E27FC236}">
-                <a16:creationId xmlns:a16="http://schemas.microsoft.com/office/drawing/2014/main" id="{296F0703-F967-DF8A-0893-9BD93A7508A9}"/>
+                <a16:creationId xmlns:a16="http://schemas.microsoft.com/office/drawing/2014/main" id="{4BDBA65A-DBD1-F966-ECE3-E99D843E5E2D}"/>
               </a:ext>
             </a:extLst>
           </p:cNvPr>
@@ -2507,7 +2507,7 @@
           <p:cNvPr id="3" name="图片占位符 2">
             <a:extLst>
               <a:ext uri="{FF2B5EF4-FFF2-40B4-BE49-F238E27FC236}">
-                <a16:creationId xmlns:a16="http://schemas.microsoft.com/office/drawing/2014/main" id="{F9D62370-B322-8AA3-FC03-12B40A795E04}"/>
+                <a16:creationId xmlns:a16="http://schemas.microsoft.com/office/drawing/2014/main" id="{077F0039-50E3-B377-8E6A-EF07FA5A16B3}"/>
               </a:ext>
             </a:extLst>
           </p:cNvPr>
@@ -2574,7 +2574,7 @@
           <p:cNvPr id="4" name="文本占位符 3">
             <a:extLst>
               <a:ext uri="{FF2B5EF4-FFF2-40B4-BE49-F238E27FC236}">
-                <a16:creationId xmlns:a16="http://schemas.microsoft.com/office/drawing/2014/main" id="{9DCF3468-4F6B-EC58-5AB7-18E03FE1F375}"/>
+                <a16:creationId xmlns:a16="http://schemas.microsoft.com/office/drawing/2014/main" id="{15D5FC53-AD29-871F-53A6-D3CD5E59B705}"/>
               </a:ext>
             </a:extLst>
           </p:cNvPr>
@@ -2645,7 +2645,7 @@
           <p:cNvPr id="5" name="日期占位符 4">
             <a:extLst>
               <a:ext uri="{FF2B5EF4-FFF2-40B4-BE49-F238E27FC236}">
-                <a16:creationId xmlns:a16="http://schemas.microsoft.com/office/drawing/2014/main" id="{AA305560-18B9-A8B8-2BB7-53C2DCC5B7FE}"/>
+                <a16:creationId xmlns:a16="http://schemas.microsoft.com/office/drawing/2014/main" id="{FE8C11DC-7FC7-C7C4-A5A2-C1956BCAA46B}"/>
               </a:ext>
             </a:extLst>
           </p:cNvPr>
@@ -2661,7 +2661,7 @@
           <a:bodyPr/>
           <a:lstStyle/>
           <a:p>
-            <a:fld id="{6B243526-913B-438E-8D97-6D5C34D656F6}" type="datetimeFigureOut">
+            <a:fld id="{9CACC6E7-7832-4A54-960C-1143FEC9E15B}" type="datetimeFigureOut">
               <a:rPr lang="zh-CN" altLang="en-US" smtClean="0"/>
               <a:t>2024/3/10</a:t>
             </a:fld>
@@ -2674,7 +2674,7 @@
           <p:cNvPr id="6" name="页脚占位符 5">
             <a:extLst>
               <a:ext uri="{FF2B5EF4-FFF2-40B4-BE49-F238E27FC236}">
-                <a16:creationId xmlns:a16="http://schemas.microsoft.com/office/drawing/2014/main" id="{0961721F-D839-B982-4B07-8E139C880533}"/>
+                <a16:creationId xmlns:a16="http://schemas.microsoft.com/office/drawing/2014/main" id="{A92FAEA5-4277-E6F9-632E-89BDB7710645}"/>
               </a:ext>
             </a:extLst>
           </p:cNvPr>
@@ -2699,7 +2699,7 @@
           <p:cNvPr id="7" name="灯片编号占位符 6">
             <a:extLst>
               <a:ext uri="{FF2B5EF4-FFF2-40B4-BE49-F238E27FC236}">
-                <a16:creationId xmlns:a16="http://schemas.microsoft.com/office/drawing/2014/main" id="{4E61D9A5-1916-1357-7A21-1311C24273E9}"/>
+                <a16:creationId xmlns:a16="http://schemas.microsoft.com/office/drawing/2014/main" id="{4DF222F7-5AAE-2CA2-6663-1D582605C80F}"/>
               </a:ext>
             </a:extLst>
           </p:cNvPr>
@@ -2715,7 +2715,7 @@
           <a:bodyPr/>
           <a:lstStyle/>
           <a:p>
-            <a:fld id="{63DAC3B0-7FE5-4264-BC29-F824E1DC8F3A}" type="slidenum">
+            <a:fld id="{26F342FB-FDB5-4CC2-B2EF-B929FD4E3A2D}" type="slidenum">
               <a:rPr lang="zh-CN" altLang="en-US" smtClean="0"/>
               <a:t>‹#›</a:t>
             </a:fld>
@@ -2726,7 +2726,7 @@
     </p:spTree>
     <p:extLst>
       <p:ext uri="{BB962C8B-B14F-4D97-AF65-F5344CB8AC3E}">
-        <p14:creationId xmlns:p14="http://schemas.microsoft.com/office/powerpoint/2010/main" val="3556159503"/>
+        <p14:creationId xmlns:p14="http://schemas.microsoft.com/office/powerpoint/2010/main" val="1568333160"/>
       </p:ext>
     </p:extLst>
   </p:cSld>
@@ -2763,7 +2763,7 @@
           <p:cNvPr id="2" name="标题占位符 1">
             <a:extLst>
               <a:ext uri="{FF2B5EF4-FFF2-40B4-BE49-F238E27FC236}">
-                <a16:creationId xmlns:a16="http://schemas.microsoft.com/office/drawing/2014/main" id="{9AD1A190-AE16-A0EE-4386-170F86B0AF40}"/>
+                <a16:creationId xmlns:a16="http://schemas.microsoft.com/office/drawing/2014/main" id="{AF5D4DE6-8ABE-E922-CA67-ABDFDBA4BA7F}"/>
               </a:ext>
             </a:extLst>
           </p:cNvPr>
@@ -2801,7 +2801,7 @@
           <p:cNvPr id="3" name="文本占位符 2">
             <a:extLst>
               <a:ext uri="{FF2B5EF4-FFF2-40B4-BE49-F238E27FC236}">
-                <a16:creationId xmlns:a16="http://schemas.microsoft.com/office/drawing/2014/main" id="{52D3B7D4-3658-8390-944A-580FEE8E8DEB}"/>
+                <a16:creationId xmlns:a16="http://schemas.microsoft.com/office/drawing/2014/main" id="{E4B792A0-755A-9B44-270E-7DBEFB875EB3}"/>
               </a:ext>
             </a:extLst>
           </p:cNvPr>
@@ -2868,7 +2868,7 @@
           <p:cNvPr id="4" name="日期占位符 3">
             <a:extLst>
               <a:ext uri="{FF2B5EF4-FFF2-40B4-BE49-F238E27FC236}">
-                <a16:creationId xmlns:a16="http://schemas.microsoft.com/office/drawing/2014/main" id="{97C9968C-91F0-4FCF-85E4-4BD5DD6EFED2}"/>
+                <a16:creationId xmlns:a16="http://schemas.microsoft.com/office/drawing/2014/main" id="{2C0B67F6-354D-8438-C087-7A05E1D56EE3}"/>
               </a:ext>
             </a:extLst>
           </p:cNvPr>
@@ -2902,7 +2902,7 @@
             </a:lvl1pPr>
           </a:lstStyle>
           <a:p>
-            <a:fld id="{6B243526-913B-438E-8D97-6D5C34D656F6}" type="datetimeFigureOut">
+            <a:fld id="{9CACC6E7-7832-4A54-960C-1143FEC9E15B}" type="datetimeFigureOut">
               <a:rPr lang="zh-CN" altLang="en-US" smtClean="0"/>
               <a:t>2024/3/10</a:t>
             </a:fld>
@@ -2915,7 +2915,7 @@
           <p:cNvPr id="5" name="页脚占位符 4">
             <a:extLst>
               <a:ext uri="{FF2B5EF4-FFF2-40B4-BE49-F238E27FC236}">
-                <a16:creationId xmlns:a16="http://schemas.microsoft.com/office/drawing/2014/main" id="{40EF9A14-1C92-0EDC-910B-92B9E08B3BEE}"/>
+                <a16:creationId xmlns:a16="http://schemas.microsoft.com/office/drawing/2014/main" id="{E2582026-606A-4140-B4D5-2DB4A4E0664B}"/>
               </a:ext>
             </a:extLst>
           </p:cNvPr>
@@ -2958,7 +2958,7 @@
           <p:cNvPr id="6" name="灯片编号占位符 5">
             <a:extLst>
               <a:ext uri="{FF2B5EF4-FFF2-40B4-BE49-F238E27FC236}">
-                <a16:creationId xmlns:a16="http://schemas.microsoft.com/office/drawing/2014/main" id="{6E9C185B-6189-4FDA-493A-636711C3137F}"/>
+                <a16:creationId xmlns:a16="http://schemas.microsoft.com/office/drawing/2014/main" id="{26342CC8-146B-C727-3A97-F9FC03F71643}"/>
               </a:ext>
             </a:extLst>
           </p:cNvPr>
@@ -2992,7 +2992,7 @@
             </a:lvl1pPr>
           </a:lstStyle>
           <a:p>
-            <a:fld id="{63DAC3B0-7FE5-4264-BC29-F824E1DC8F3A}" type="slidenum">
+            <a:fld id="{26F342FB-FDB5-4CC2-B2EF-B929FD4E3A2D}" type="slidenum">
               <a:rPr lang="zh-CN" altLang="en-US" smtClean="0"/>
               <a:t>‹#›</a:t>
             </a:fld>
@@ -3003,7 +3003,7 @@
     </p:spTree>
     <p:extLst>
       <p:ext uri="{BB962C8B-B14F-4D97-AF65-F5344CB8AC3E}">
-        <p14:creationId xmlns:p14="http://schemas.microsoft.com/office/powerpoint/2010/main" val="2303444136"/>
+        <p14:creationId xmlns:p14="http://schemas.microsoft.com/office/powerpoint/2010/main" val="2886021475"/>
       </p:ext>
     </p:extLst>
   </p:cSld>
@@ -3323,7 +3323,7 @@
       </p:grpSpPr>
       <p:pic>
         <p:nvPicPr>
-          <p:cNvPr id="881666" name="Picture 2" descr="860"/>
+          <p:cNvPr id="882690" name="Picture 2" descr="861"/>
           <p:cNvPicPr>
             <a:picLocks noChangeAspect="1" noChangeArrowheads="1"/>
           </p:cNvPicPr>
@@ -3344,8 +3344,8 @@
         </p:blipFill>
         <p:spPr bwMode="auto">
           <a:xfrm>
-            <a:off x="1524000" y="0"/>
-            <a:ext cx="9144000" cy="6858000"/>
+            <a:off x="1524001" y="0"/>
+            <a:ext cx="9053513" cy="6789738"/>
           </a:xfrm>
           <a:prstGeom prst="rect">
             <a:avLst/>
